--- a/lectures/Day5_6lecture_NewtonFormulation.pptx
+++ b/lectures/Day5_6lecture_NewtonFormulation.pptx
@@ -1707,14 +1707,14 @@
           <a:effectLst/>
           <a:extLst>
             <a:ext uri="{909E8E84-426E-40dd-AFC4-6F175D3DCCD1}">
-              <a14:hiddenFill xmlns="" xmlns:a14="http://schemas.microsoft.com/office/drawing/2010/main">
+              <a14:hiddenFill xmlns:a14="http://schemas.microsoft.com/office/drawing/2010/main" xmlns="">
                 <a:solidFill>
                   <a:schemeClr val="accent1"/>
                 </a:solidFill>
               </a14:hiddenFill>
             </a:ext>
             <a:ext uri="{91240B29-F687-4f45-9708-019B960494DF}">
-              <a14:hiddenLine xmlns="" xmlns:a14="http://schemas.microsoft.com/office/drawing/2010/main" w="12700">
+              <a14:hiddenLine xmlns:a14="http://schemas.microsoft.com/office/drawing/2010/main" xmlns="" w="12700">
                 <a:solidFill>
                   <a:schemeClr val="tx1"/>
                 </a:solidFill>
@@ -1724,7 +1724,7 @@
               </a14:hiddenLine>
             </a:ext>
             <a:ext uri="{AF507438-7753-43e0-B8FC-AC1667EBCBE1}">
-              <a14:hiddenEffects xmlns="" xmlns:a14="http://schemas.microsoft.com/office/drawing/2010/main">
+              <a14:hiddenEffects xmlns:a14="http://schemas.microsoft.com/office/drawing/2010/main" xmlns="">
                 <a:effectLst>
                   <a:outerShdw blurRad="63500" dist="38099" dir="2700000" algn="ctr" rotWithShape="0">
                     <a:schemeClr val="bg2">
@@ -1735,7 +1735,7 @@
               </a14:hiddenEffects>
             </a:ext>
             <a:ext uri="{FAA26D3D-D897-4be2-8F04-BA451C77F1D7}">
-              <ma14:placeholderFlag xmlns="" xmlns:ma14="http://schemas.microsoft.com/office/mac/drawingml/2011/main" val="1"/>
+              <ma14:placeholderFlag xmlns:ma14="http://schemas.microsoft.com/office/mac/drawingml/2011/main" xmlns="" val="1"/>
             </a:ext>
           </a:extLst>
         </p:spPr>
@@ -1813,12 +1813,12 @@
           <a:effectLst/>
           <a:extLst>
             <a:ext uri="{909E8E84-426E-40dd-AFC4-6F175D3DCCD1}">
-              <a14:hiddenFill xmlns="" xmlns:a14="http://schemas.microsoft.com/office/drawing/2010/main">
+              <a14:hiddenFill xmlns:a14="http://schemas.microsoft.com/office/drawing/2010/main" xmlns="">
                 <a:noFill/>
               </a14:hiddenFill>
             </a:ext>
             <a:ext uri="{AF507438-7753-43e0-B8FC-AC1667EBCBE1}">
-              <a14:hiddenEffects xmlns="" xmlns:a14="http://schemas.microsoft.com/office/drawing/2010/main">
+              <a14:hiddenEffects xmlns:a14="http://schemas.microsoft.com/office/drawing/2010/main" xmlns="">
                 <a:effectLst>
                   <a:outerShdw blurRad="63500" dist="38099" dir="2700000" algn="ctr" rotWithShape="0">
                     <a:srgbClr val="000000">
@@ -1829,7 +1829,7 @@
               </a14:hiddenEffects>
             </a:ext>
             <a:ext uri="{53640926-AAD7-44d8-BBD7-CCE9431645EC}">
-              <a14:shadowObscured xmlns="" xmlns:a14="http://schemas.microsoft.com/office/drawing/2010/main" val="1"/>
+              <a14:shadowObscured xmlns:a14="http://schemas.microsoft.com/office/drawing/2010/main" xmlns="" val="1"/>
             </a:ext>
           </a:extLst>
         </p:spPr>
@@ -2073,14 +2073,14 @@
           <a:effectLst/>
           <a:extLst>
             <a:ext uri="{909E8E84-426E-40dd-AFC4-6F175D3DCCD1}">
-              <a14:hiddenFill xmlns="" xmlns:a14="http://schemas.microsoft.com/office/drawing/2010/main">
+              <a14:hiddenFill xmlns:a14="http://schemas.microsoft.com/office/drawing/2010/main" xmlns="">
                 <a:solidFill>
                   <a:schemeClr val="accent1"/>
                 </a:solidFill>
               </a14:hiddenFill>
             </a:ext>
             <a:ext uri="{91240B29-F687-4f45-9708-019B960494DF}">
-              <a14:hiddenLine xmlns="" xmlns:a14="http://schemas.microsoft.com/office/drawing/2010/main" w="12700">
+              <a14:hiddenLine xmlns:a14="http://schemas.microsoft.com/office/drawing/2010/main" xmlns="" w="12700">
                 <a:solidFill>
                   <a:schemeClr val="tx1"/>
                 </a:solidFill>
@@ -2090,7 +2090,7 @@
               </a14:hiddenLine>
             </a:ext>
             <a:ext uri="{AF507438-7753-43e0-B8FC-AC1667EBCBE1}">
-              <a14:hiddenEffects xmlns="" xmlns:a14="http://schemas.microsoft.com/office/drawing/2010/main">
+              <a14:hiddenEffects xmlns:a14="http://schemas.microsoft.com/office/drawing/2010/main" xmlns="">
                 <a:effectLst>
                   <a:outerShdw blurRad="63500" dist="38099" dir="2700000" algn="ctr" rotWithShape="0">
                     <a:schemeClr val="bg2">
@@ -2245,14 +2245,14 @@
           </a:ln>
           <a:extLst>
             <a:ext uri="{909E8E84-426E-40dd-AFC4-6F175D3DCCD1}">
-              <a14:hiddenFill xmlns="" xmlns:a14="http://schemas.microsoft.com/office/drawing/2010/main">
+              <a14:hiddenFill xmlns:a14="http://schemas.microsoft.com/office/drawing/2010/main" xmlns="">
                 <a:solidFill>
                   <a:srgbClr val="FFFFFF"/>
                 </a:solidFill>
               </a14:hiddenFill>
             </a:ext>
             <a:ext uri="{91240B29-F687-4f45-9708-019B960494DF}">
-              <a14:hiddenLine xmlns="" xmlns:a14="http://schemas.microsoft.com/office/drawing/2010/main" w="9525">
+              <a14:hiddenLine xmlns:a14="http://schemas.microsoft.com/office/drawing/2010/main" xmlns="" w="9525">
                 <a:solidFill>
                   <a:srgbClr val="000000"/>
                 </a:solidFill>
@@ -3831,14 +3831,14 @@
           <a:effectLst/>
           <a:extLst>
             <a:ext uri="{909E8E84-426E-40dd-AFC4-6F175D3DCCD1}">
-              <a14:hiddenFill xmlns="" xmlns:a14="http://schemas.microsoft.com/office/drawing/2010/main">
+              <a14:hiddenFill xmlns:a14="http://schemas.microsoft.com/office/drawing/2010/main" xmlns="">
                 <a:solidFill>
                   <a:schemeClr val="accent1"/>
                 </a:solidFill>
               </a14:hiddenFill>
             </a:ext>
             <a:ext uri="{91240B29-F687-4f45-9708-019B960494DF}">
-              <a14:hiddenLine xmlns="" xmlns:a14="http://schemas.microsoft.com/office/drawing/2010/main" w="12700">
+              <a14:hiddenLine xmlns:a14="http://schemas.microsoft.com/office/drawing/2010/main" xmlns="" w="12700">
                 <a:solidFill>
                   <a:schemeClr val="tx1"/>
                 </a:solidFill>
@@ -3848,7 +3848,7 @@
               </a14:hiddenLine>
             </a:ext>
             <a:ext uri="{AF507438-7753-43e0-B8FC-AC1667EBCBE1}">
-              <a14:hiddenEffects xmlns="" xmlns:a14="http://schemas.microsoft.com/office/drawing/2010/main">
+              <a14:hiddenEffects xmlns:a14="http://schemas.microsoft.com/office/drawing/2010/main" xmlns="">
                 <a:effectLst>
                   <a:outerShdw blurRad="63500" dist="38099" dir="2700000" algn="ctr" rotWithShape="0">
                     <a:schemeClr val="bg2">
@@ -3859,7 +3859,7 @@
               </a14:hiddenEffects>
             </a:ext>
             <a:ext uri="{FAA26D3D-D897-4be2-8F04-BA451C77F1D7}">
-              <ma14:placeholderFlag xmlns="" xmlns:ma14="http://schemas.microsoft.com/office/mac/drawingml/2011/main" val="1"/>
+              <ma14:placeholderFlag xmlns:ma14="http://schemas.microsoft.com/office/mac/drawingml/2011/main" xmlns="" val="1"/>
             </a:ext>
           </a:extLst>
         </p:spPr>
@@ -3904,14 +3904,14 @@
           <a:effectLst/>
           <a:extLst>
             <a:ext uri="{909E8E84-426E-40dd-AFC4-6F175D3DCCD1}">
-              <a14:hiddenFill xmlns="" xmlns:a14="http://schemas.microsoft.com/office/drawing/2010/main">
+              <a14:hiddenFill xmlns:a14="http://schemas.microsoft.com/office/drawing/2010/main" xmlns="">
                 <a:solidFill>
                   <a:schemeClr val="accent1"/>
                 </a:solidFill>
               </a14:hiddenFill>
             </a:ext>
             <a:ext uri="{91240B29-F687-4f45-9708-019B960494DF}">
-              <a14:hiddenLine xmlns="" xmlns:a14="http://schemas.microsoft.com/office/drawing/2010/main" w="12700">
+              <a14:hiddenLine xmlns:a14="http://schemas.microsoft.com/office/drawing/2010/main" xmlns="" w="12700">
                 <a:solidFill>
                   <a:schemeClr val="tx1"/>
                 </a:solidFill>
@@ -3921,7 +3921,7 @@
               </a14:hiddenLine>
             </a:ext>
             <a:ext uri="{AF507438-7753-43e0-B8FC-AC1667EBCBE1}">
-              <a14:hiddenEffects xmlns="" xmlns:a14="http://schemas.microsoft.com/office/drawing/2010/main">
+              <a14:hiddenEffects xmlns:a14="http://schemas.microsoft.com/office/drawing/2010/main" xmlns="">
                 <a:effectLst>
                   <a:outerShdw blurRad="63500" dist="38099" dir="2700000" algn="ctr" rotWithShape="0">
                     <a:schemeClr val="bg2">
@@ -3932,7 +3932,7 @@
               </a14:hiddenEffects>
             </a:ext>
             <a:ext uri="{FAA26D3D-D897-4be2-8F04-BA451C77F1D7}">
-              <ma14:placeholderFlag xmlns="" xmlns:ma14="http://schemas.microsoft.com/office/mac/drawingml/2011/main" val="1"/>
+              <ma14:placeholderFlag xmlns:ma14="http://schemas.microsoft.com/office/mac/drawingml/2011/main" xmlns="" val="1"/>
             </a:ext>
           </a:extLst>
         </p:spPr>
@@ -4022,14 +4022,14 @@
           </a:ln>
           <a:extLst>
             <a:ext uri="{909E8E84-426E-40dd-AFC4-6F175D3DCCD1}">
-              <a14:hiddenFill xmlns="" xmlns:a14="http://schemas.microsoft.com/office/drawing/2010/main">
+              <a14:hiddenFill xmlns:a14="http://schemas.microsoft.com/office/drawing/2010/main" xmlns="">
                 <a:solidFill>
                   <a:srgbClr val="FFFFFF"/>
                 </a:solidFill>
               </a14:hiddenFill>
             </a:ext>
             <a:ext uri="{91240B29-F687-4f45-9708-019B960494DF}">
-              <a14:hiddenLine xmlns="" xmlns:a14="http://schemas.microsoft.com/office/drawing/2010/main" w="9525">
+              <a14:hiddenLine xmlns:a14="http://schemas.microsoft.com/office/drawing/2010/main" xmlns="" w="9525">
                 <a:solidFill>
                   <a:srgbClr val="000000"/>
                 </a:solidFill>
@@ -4698,14 +4698,14 @@
           </a:ln>
           <a:extLst>
             <a:ext uri="{909E8E84-426E-40dd-AFC4-6F175D3DCCD1}">
-              <a14:hiddenFill xmlns="" xmlns:a14="http://schemas.microsoft.com/office/drawing/2010/main">
+              <a14:hiddenFill xmlns:a14="http://schemas.microsoft.com/office/drawing/2010/main" xmlns="">
                 <a:solidFill>
                   <a:srgbClr val="FFFFFF"/>
                 </a:solidFill>
               </a14:hiddenFill>
             </a:ext>
             <a:ext uri="{91240B29-F687-4f45-9708-019B960494DF}">
-              <a14:hiddenLine xmlns="" xmlns:a14="http://schemas.microsoft.com/office/drawing/2010/main" w="9525">
+              <a14:hiddenLine xmlns:a14="http://schemas.microsoft.com/office/drawing/2010/main" xmlns="" w="9525">
                 <a:solidFill>
                   <a:srgbClr val="000000"/>
                 </a:solidFill>
@@ -4926,7 +4926,7 @@
           </a:ln>
           <a:extLst>
             <a:ext uri="{91240B29-F687-4f45-9708-019B960494DF}">
-              <a14:hiddenLine xmlns="" xmlns:a14="http://schemas.microsoft.com/office/drawing/2010/main" w="9525">
+              <a14:hiddenLine xmlns:a14="http://schemas.microsoft.com/office/drawing/2010/main" xmlns="" w="9525">
                 <a:solidFill>
                   <a:srgbClr val="000000"/>
                 </a:solidFill>
@@ -4971,14 +4971,14 @@
           <a:effectLst/>
           <a:extLst>
             <a:ext uri="{909E8E84-426E-40dd-AFC4-6F175D3DCCD1}">
-              <a14:hiddenFill xmlns="" xmlns:a14="http://schemas.microsoft.com/office/drawing/2010/main">
+              <a14:hiddenFill xmlns:a14="http://schemas.microsoft.com/office/drawing/2010/main" xmlns="">
                 <a:solidFill>
                   <a:schemeClr val="accent1"/>
                 </a:solidFill>
               </a14:hiddenFill>
             </a:ext>
             <a:ext uri="{91240B29-F687-4f45-9708-019B960494DF}">
-              <a14:hiddenLine xmlns="" xmlns:a14="http://schemas.microsoft.com/office/drawing/2010/main" w="9525">
+              <a14:hiddenLine xmlns:a14="http://schemas.microsoft.com/office/drawing/2010/main" xmlns="" w="9525">
                 <a:solidFill>
                   <a:schemeClr val="tx1"/>
                 </a:solidFill>
@@ -4988,7 +4988,7 @@
               </a14:hiddenLine>
             </a:ext>
             <a:ext uri="{AF507438-7753-43e0-B8FC-AC1667EBCBE1}">
-              <a14:hiddenEffects xmlns="" xmlns:a14="http://schemas.microsoft.com/office/drawing/2010/main">
+              <a14:hiddenEffects xmlns:a14="http://schemas.microsoft.com/office/drawing/2010/main" xmlns="">
                 <a:effectLst>
                   <a:outerShdw blurRad="63500" dist="38099" dir="2700000" algn="ctr" rotWithShape="0">
                     <a:schemeClr val="bg2">
@@ -5400,14 +5400,14 @@
           </a:ln>
           <a:extLst>
             <a:ext uri="{909E8E84-426E-40dd-AFC4-6F175D3DCCD1}">
-              <a14:hiddenFill xmlns="" xmlns:a14="http://schemas.microsoft.com/office/drawing/2010/main">
+              <a14:hiddenFill xmlns:a14="http://schemas.microsoft.com/office/drawing/2010/main" xmlns="">
                 <a:solidFill>
                   <a:srgbClr val="FFFFFF"/>
                 </a:solidFill>
               </a14:hiddenFill>
             </a:ext>
             <a:ext uri="{91240B29-F687-4f45-9708-019B960494DF}">
-              <a14:hiddenLine xmlns="" xmlns:a14="http://schemas.microsoft.com/office/drawing/2010/main" w="9525">
+              <a14:hiddenLine xmlns:a14="http://schemas.microsoft.com/office/drawing/2010/main" xmlns="" w="9525">
                 <a:solidFill>
                   <a:srgbClr val="000000"/>
                 </a:solidFill>
@@ -5713,13 +5713,8 @@
             </a:pPr>
             <a:r>
               <a:rPr lang="en-US" sz="1800" dirty="0"/>
-              <a:t>* Stress package continuity equation also solved using Newton-</a:t>
-            </a:r>
-            <a:r>
-              <a:rPr lang="en-US" sz="1800" dirty="0" err="1"/>
-              <a:t>Raphson</a:t>
-            </a:r>
-            <a:endParaRPr lang="en-US" sz="1800" dirty="0"/>
+              <a:t>* Stress package continuity equation also solved using Newton-Raphson method</a:t>
+            </a:r>
           </a:p>
           <a:p>
             <a:pPr>
@@ -5830,15 +5825,7 @@
             </a:pPr>
             <a:r>
               <a:rPr lang="en-US" dirty="0"/>
-              <a:t>Newton-</a:t>
-            </a:r>
-            <a:r>
-              <a:rPr lang="en-US" dirty="0" err="1"/>
-              <a:t>Raphson</a:t>
-            </a:r>
-            <a:r>
-              <a:rPr lang="en-US" dirty="0"/>
-              <a:t> formulation results in a asymmetric matrix.</a:t>
+              <a:t>Newton-Raphson formulation results in an asymmetric matrix.</a:t>
             </a:r>
           </a:p>
           <a:p>
@@ -6243,14 +6230,14 @@
           </a:ln>
           <a:extLst>
             <a:ext uri="{909E8E84-426E-40dd-AFC4-6F175D3DCCD1}">
-              <a14:hiddenFill xmlns="" xmlns:a14="http://schemas.microsoft.com/office/drawing/2010/main">
+              <a14:hiddenFill xmlns:a14="http://schemas.microsoft.com/office/drawing/2010/main" xmlns="">
                 <a:solidFill>
                   <a:srgbClr val="FFFFFF"/>
                 </a:solidFill>
               </a14:hiddenFill>
             </a:ext>
             <a:ext uri="{91240B29-F687-4f45-9708-019B960494DF}">
-              <a14:hiddenLine xmlns="" xmlns:a14="http://schemas.microsoft.com/office/drawing/2010/main" w="9525">
+              <a14:hiddenLine xmlns:a14="http://schemas.microsoft.com/office/drawing/2010/main" xmlns="" w="9525">
                 <a:solidFill>
                   <a:srgbClr val="000000"/>
                 </a:solidFill>
@@ -6375,7 +6362,7 @@
           </a:lstStyle>
           <a:p>
             <a:r>
-              <a:rPr lang="en-US" sz="2400" dirty="0">
+              <a:rPr lang="en-US" sz="2400" i="1" dirty="0">
                 <a:solidFill>
                   <a:srgbClr val="FFFFFF"/>
                 </a:solidFill>
@@ -6385,7 +6372,7 @@
               </a:rPr>
               <a:t>Steady-state problems that use the Newton-Raphson method can be difficult to solve numerically, especially when initial conditions are not sufficiently near the roots where the residual is zero. Pseudo-transient continuation is a method that improves convergence of steady-state models that use the Newton-Raphson method.</a:t>
             </a:r>
-            <a:endParaRPr lang="en-US" sz="2400" dirty="0">
+            <a:endParaRPr lang="en-US" sz="2400" i="1" dirty="0">
               <a:solidFill>
                 <a:srgbClr val="FFFFFF"/>
               </a:solidFill>
@@ -6504,7 +6491,7 @@
           </a:ln>
           <a:extLst>
             <a:ext uri="{91240B29-F687-4f45-9708-019B960494DF}">
-              <a14:hiddenLine xmlns="" xmlns:a14="http://schemas.microsoft.com/office/drawing/2010/main" w="9525">
+              <a14:hiddenLine xmlns:a14="http://schemas.microsoft.com/office/drawing/2010/main" xmlns="" w="9525">
                 <a:solidFill>
                   <a:srgbClr val="000000"/>
                 </a:solidFill>
@@ -6549,14 +6536,14 @@
           <a:effectLst/>
           <a:extLst>
             <a:ext uri="{909E8E84-426E-40dd-AFC4-6F175D3DCCD1}">
-              <a14:hiddenFill xmlns="" xmlns:a14="http://schemas.microsoft.com/office/drawing/2010/main">
+              <a14:hiddenFill xmlns:a14="http://schemas.microsoft.com/office/drawing/2010/main" xmlns="">
                 <a:solidFill>
                   <a:schemeClr val="accent1"/>
                 </a:solidFill>
               </a14:hiddenFill>
             </a:ext>
             <a:ext uri="{91240B29-F687-4f45-9708-019B960494DF}">
-              <a14:hiddenLine xmlns="" xmlns:a14="http://schemas.microsoft.com/office/drawing/2010/main" w="9525">
+              <a14:hiddenLine xmlns:a14="http://schemas.microsoft.com/office/drawing/2010/main" xmlns="" w="9525">
                 <a:solidFill>
                   <a:schemeClr val="tx1"/>
                 </a:solidFill>
@@ -6566,7 +6553,7 @@
               </a14:hiddenLine>
             </a:ext>
             <a:ext uri="{AF507438-7753-43e0-B8FC-AC1667EBCBE1}">
-              <a14:hiddenEffects xmlns="" xmlns:a14="http://schemas.microsoft.com/office/drawing/2010/main">
+              <a14:hiddenEffects xmlns:a14="http://schemas.microsoft.com/office/drawing/2010/main" xmlns="">
                 <a:effectLst>
                   <a:outerShdw blurRad="63500" dist="38099" dir="2700000" algn="ctr" rotWithShape="0">
                     <a:schemeClr val="bg2">
@@ -6717,21 +6704,6 @@
                 <a:cs typeface="Courier New"/>
               </a:rPr>
               <a:t>  PRINT_OPTION ALL</a:t>
-            </a:r>
-          </a:p>
-          <a:p>
-            <a:pPr eaLnBrk="1" hangingPunct="1">
-              <a:defRPr/>
-            </a:pPr>
-            <a:r>
-              <a:rPr lang="en-US" sz="1200" dirty="0">
-                <a:solidFill>
-                  <a:schemeClr val="bg1"/>
-                </a:solidFill>
-                <a:latin typeface="Courier New"/>
-                <a:cs typeface="Courier New"/>
-              </a:rPr>
-              <a:t>  CSV_OUTPUT FILEOUT NWTP3LOW.IMS.CSV</a:t>
             </a:r>
           </a:p>
           <a:p>
@@ -8204,14 +8176,14 @@
             </a:ln>
             <a:extLst>
               <a:ext uri="{909E8E84-426E-40dd-AFC4-6F175D3DCCD1}">
-                <a14:hiddenFill xmlns="" xmlns:a14="http://schemas.microsoft.com/office/drawing/2010/main">
+                <a14:hiddenFill xmlns:a14="http://schemas.microsoft.com/office/drawing/2010/main" xmlns="">
                   <a:solidFill>
                     <a:srgbClr val="FFFFFF"/>
                   </a:solidFill>
                 </a14:hiddenFill>
               </a:ext>
               <a:ext uri="{91240B29-F687-4f45-9708-019B960494DF}">
-                <a14:hiddenLine xmlns="" xmlns:a14="http://schemas.microsoft.com/office/drawing/2010/main" w="9525">
+                <a14:hiddenLine xmlns:a14="http://schemas.microsoft.com/office/drawing/2010/main" xmlns="" w="9525">
                   <a:solidFill>
                     <a:srgbClr val="000000"/>
                   </a:solidFill>
@@ -8339,7 +8311,7 @@
               <a:r>
                 <a:rPr lang="en-US" sz="2500" i="1" dirty="0">
                   <a:solidFill>
-                    <a:srgbClr val="FFFF00"/>
+                    <a:schemeClr val="bg1"/>
                   </a:solidFill>
                   <a:latin typeface="Times New Roman" charset="0"/>
                   <a:ea typeface="MS PGothic" charset="0"/>
@@ -8373,14 +8345,14 @@
             </a:ln>
             <a:extLst>
               <a:ext uri="{909E8E84-426E-40dd-AFC4-6F175D3DCCD1}">
-                <a14:hiddenFill xmlns="" xmlns:a14="http://schemas.microsoft.com/office/drawing/2010/main">
+                <a14:hiddenFill xmlns:a14="http://schemas.microsoft.com/office/drawing/2010/main" xmlns="">
                   <a:solidFill>
                     <a:srgbClr val="FFFFFF"/>
                   </a:solidFill>
                 </a14:hiddenFill>
               </a:ext>
               <a:ext uri="{91240B29-F687-4f45-9708-019B960494DF}">
-                <a14:hiddenLine xmlns="" xmlns:a14="http://schemas.microsoft.com/office/drawing/2010/main" w="9525">
+                <a14:hiddenLine xmlns:a14="http://schemas.microsoft.com/office/drawing/2010/main" xmlns="" w="9525">
                   <a:solidFill>
                     <a:srgbClr val="000000"/>
                   </a:solidFill>
@@ -8508,7 +8480,7 @@
               <a:r>
                 <a:rPr lang="en-US" sz="2500" i="1" dirty="0">
                   <a:solidFill>
-                    <a:srgbClr val="FFFF00"/>
+                    <a:schemeClr val="bg1"/>
                   </a:solidFill>
                   <a:latin typeface="Times New Roman" charset="0"/>
                   <a:ea typeface="MS PGothic" charset="0"/>
@@ -8548,14 +8520,14 @@
             </a:ln>
             <a:extLst>
               <a:ext uri="{909E8E84-426E-40dd-AFC4-6F175D3DCCD1}">
-                <a14:hiddenFill xmlns="" xmlns:a14="http://schemas.microsoft.com/office/drawing/2010/main">
+                <a14:hiddenFill xmlns:a14="http://schemas.microsoft.com/office/drawing/2010/main" xmlns="">
                   <a:solidFill>
                     <a:srgbClr val="FFFFFF"/>
                   </a:solidFill>
                 </a14:hiddenFill>
               </a:ext>
               <a:ext uri="{91240B29-F687-4f45-9708-019B960494DF}">
-                <a14:hiddenLine xmlns="" xmlns:a14="http://schemas.microsoft.com/office/drawing/2010/main" w="9525">
+                <a14:hiddenLine xmlns:a14="http://schemas.microsoft.com/office/drawing/2010/main" xmlns="" w="9525">
                   <a:solidFill>
                     <a:srgbClr val="000000"/>
                   </a:solidFill>
@@ -8683,7 +8655,7 @@
               <a:r>
                 <a:rPr lang="en-US" sz="2500" i="1" dirty="0">
                   <a:solidFill>
-                    <a:srgbClr val="FFFF00"/>
+                    <a:schemeClr val="bg1"/>
                   </a:solidFill>
                   <a:latin typeface="Times New Roman" charset="0"/>
                   <a:ea typeface="MS PGothic" charset="0"/>
@@ -8768,14 +8740,14 @@
             </a:ln>
             <a:extLst>
               <a:ext uri="{909E8E84-426E-40dd-AFC4-6F175D3DCCD1}">
-                <a14:hiddenFill xmlns="" xmlns:a14="http://schemas.microsoft.com/office/drawing/2010/main">
+                <a14:hiddenFill xmlns:a14="http://schemas.microsoft.com/office/drawing/2010/main" xmlns="">
                   <a:solidFill>
                     <a:srgbClr val="FFFFFF"/>
                   </a:solidFill>
                 </a14:hiddenFill>
               </a:ext>
               <a:ext uri="{91240B29-F687-4f45-9708-019B960494DF}">
-                <a14:hiddenLine xmlns="" xmlns:a14="http://schemas.microsoft.com/office/drawing/2010/main" w="9525">
+                <a14:hiddenLine xmlns:a14="http://schemas.microsoft.com/office/drawing/2010/main" xmlns="" w="9525">
                   <a:solidFill>
                     <a:srgbClr val="000000"/>
                   </a:solidFill>
@@ -8903,7 +8875,7 @@
               <a:r>
                 <a:rPr lang="en-US" sz="2500" i="1" dirty="0">
                   <a:solidFill>
-                    <a:srgbClr val="FFFF00"/>
+                    <a:schemeClr val="bg1"/>
                   </a:solidFill>
                   <a:latin typeface="Times New Roman" charset="0"/>
                   <a:ea typeface="MS PGothic" charset="0"/>
@@ -8988,14 +8960,14 @@
           </a:ln>
           <a:extLst>
             <a:ext uri="{909E8E84-426E-40dd-AFC4-6F175D3DCCD1}">
-              <a14:hiddenFill xmlns="" xmlns:a14="http://schemas.microsoft.com/office/drawing/2010/main">
+              <a14:hiddenFill xmlns:a14="http://schemas.microsoft.com/office/drawing/2010/main" xmlns="">
                 <a:solidFill>
                   <a:srgbClr val="FFFFFF"/>
                 </a:solidFill>
               </a14:hiddenFill>
             </a:ext>
             <a:ext uri="{91240B29-F687-4f45-9708-019B960494DF}">
-              <a14:hiddenLine xmlns="" xmlns:a14="http://schemas.microsoft.com/office/drawing/2010/main" w="9525">
+              <a14:hiddenLine xmlns:a14="http://schemas.microsoft.com/office/drawing/2010/main" xmlns="" w="9525">
                 <a:solidFill>
                   <a:srgbClr val="000000"/>
                 </a:solidFill>
@@ -9289,14 +9261,14 @@
               </a:ln>
               <a:extLst>
                 <a:ext uri="{909E8E84-426E-40dd-AFC4-6F175D3DCCD1}">
-                  <a14:hiddenFill xmlns="" xmlns:a14="http://schemas.microsoft.com/office/drawing/2010/main">
+                  <a14:hiddenFill xmlns:a14="http://schemas.microsoft.com/office/drawing/2010/main" xmlns="">
                     <a:solidFill>
                       <a:srgbClr val="FFFFFF"/>
                     </a:solidFill>
                   </a14:hiddenFill>
                 </a:ext>
                 <a:ext uri="{91240B29-F687-4f45-9708-019B960494DF}">
-                  <a14:hiddenLine xmlns="" xmlns:a14="http://schemas.microsoft.com/office/drawing/2010/main" w="9525">
+                  <a14:hiddenLine xmlns:a14="http://schemas.microsoft.com/office/drawing/2010/main" xmlns="" w="9525">
                     <a:solidFill>
                       <a:srgbClr val="000000"/>
                     </a:solidFill>
@@ -9613,14 +9585,14 @@
               </a:ln>
               <a:extLst>
                 <a:ext uri="{909E8E84-426E-40dd-AFC4-6F175D3DCCD1}">
-                  <a14:hiddenFill xmlns="" xmlns:a14="http://schemas.microsoft.com/office/drawing/2010/main">
+                  <a14:hiddenFill xmlns:a14="http://schemas.microsoft.com/office/drawing/2010/main" xmlns="">
                     <a:solidFill>
                       <a:srgbClr val="FFFFFF"/>
                     </a:solidFill>
                   </a14:hiddenFill>
                 </a:ext>
                 <a:ext uri="{91240B29-F687-4f45-9708-019B960494DF}">
-                  <a14:hiddenLine xmlns="" xmlns:a14="http://schemas.microsoft.com/office/drawing/2010/main" w="9525">
+                  <a14:hiddenLine xmlns:a14="http://schemas.microsoft.com/office/drawing/2010/main" xmlns="" w="9525">
                     <a:solidFill>
                       <a:srgbClr val="000000"/>
                     </a:solidFill>
@@ -9674,14 +9646,14 @@
               </a:ln>
               <a:extLst>
                 <a:ext uri="{909E8E84-426E-40dd-AFC4-6F175D3DCCD1}">
-                  <a14:hiddenFill xmlns="" xmlns:a14="http://schemas.microsoft.com/office/drawing/2010/main">
+                  <a14:hiddenFill xmlns:a14="http://schemas.microsoft.com/office/drawing/2010/main" xmlns="">
                     <a:solidFill>
                       <a:srgbClr val="FFFFFF"/>
                     </a:solidFill>
                   </a14:hiddenFill>
                 </a:ext>
                 <a:ext uri="{91240B29-F687-4f45-9708-019B960494DF}">
-                  <a14:hiddenLine xmlns="" xmlns:a14="http://schemas.microsoft.com/office/drawing/2010/main" w="9525">
+                  <a14:hiddenLine xmlns:a14="http://schemas.microsoft.com/office/drawing/2010/main" xmlns="" w="9525">
                     <a:solidFill>
                       <a:srgbClr val="000000"/>
                     </a:solidFill>
@@ -9851,7 +9823,7 @@
               </a:ln>
               <a:extLst>
                 <a:ext uri="{909E8E84-426E-40dd-AFC4-6F175D3DCCD1}">
-                  <a14:hiddenFill xmlns="" xmlns:a14="http://schemas.microsoft.com/office/drawing/2010/main">
+                  <a14:hiddenFill xmlns:a14="http://schemas.microsoft.com/office/drawing/2010/main" xmlns="">
                     <a:noFill/>
                   </a14:hiddenFill>
                 </a:ext>
@@ -9971,14 +9943,14 @@
           </a:ln>
           <a:extLst>
             <a:ext uri="{909E8E84-426E-40dd-AFC4-6F175D3DCCD1}">
-              <a14:hiddenFill xmlns="" xmlns:a14="http://schemas.microsoft.com/office/drawing/2010/main">
+              <a14:hiddenFill xmlns:a14="http://schemas.microsoft.com/office/drawing/2010/main" xmlns="">
                 <a:solidFill>
                   <a:srgbClr val="FFFFFF"/>
                 </a:solidFill>
               </a14:hiddenFill>
             </a:ext>
             <a:ext uri="{91240B29-F687-4f45-9708-019B960494DF}">
-              <a14:hiddenLine xmlns="" xmlns:a14="http://schemas.microsoft.com/office/drawing/2010/main" w="9525">
+              <a14:hiddenLine xmlns:a14="http://schemas.microsoft.com/office/drawing/2010/main" xmlns="" w="9525">
                 <a:solidFill>
                   <a:srgbClr val="000000"/>
                 </a:solidFill>
@@ -10290,14 +10262,14 @@
               </a:ln>
               <a:extLst>
                 <a:ext uri="{909E8E84-426E-40dd-AFC4-6F175D3DCCD1}">
-                  <a14:hiddenFill xmlns="" xmlns:a14="http://schemas.microsoft.com/office/drawing/2010/main">
+                  <a14:hiddenFill xmlns:a14="http://schemas.microsoft.com/office/drawing/2010/main" xmlns="">
                     <a:solidFill>
                       <a:srgbClr val="FFFFFF"/>
                     </a:solidFill>
                   </a14:hiddenFill>
                 </a:ext>
                 <a:ext uri="{91240B29-F687-4f45-9708-019B960494DF}">
-                  <a14:hiddenLine xmlns="" xmlns:a14="http://schemas.microsoft.com/office/drawing/2010/main" w="9525">
+                  <a14:hiddenLine xmlns:a14="http://schemas.microsoft.com/office/drawing/2010/main" xmlns="" w="9525">
                     <a:solidFill>
                       <a:srgbClr val="000000"/>
                     </a:solidFill>
@@ -10538,14 +10510,14 @@
               </a:ln>
               <a:extLst>
                 <a:ext uri="{909E8E84-426E-40dd-AFC4-6F175D3DCCD1}">
-                  <a14:hiddenFill xmlns="" xmlns:a14="http://schemas.microsoft.com/office/drawing/2010/main">
+                  <a14:hiddenFill xmlns:a14="http://schemas.microsoft.com/office/drawing/2010/main" xmlns="">
                     <a:solidFill>
                       <a:srgbClr val="FFFFFF"/>
                     </a:solidFill>
                   </a14:hiddenFill>
                 </a:ext>
                 <a:ext uri="{91240B29-F687-4f45-9708-019B960494DF}">
-                  <a14:hiddenLine xmlns="" xmlns:a14="http://schemas.microsoft.com/office/drawing/2010/main" w="9525">
+                  <a14:hiddenLine xmlns:a14="http://schemas.microsoft.com/office/drawing/2010/main" xmlns="" w="9525">
                     <a:solidFill>
                       <a:srgbClr val="000000"/>
                     </a:solidFill>
@@ -10724,14 +10696,14 @@
               </a:ln>
               <a:extLst>
                 <a:ext uri="{909E8E84-426E-40dd-AFC4-6F175D3DCCD1}">
-                  <a14:hiddenFill xmlns="" xmlns:a14="http://schemas.microsoft.com/office/drawing/2010/main">
+                  <a14:hiddenFill xmlns:a14="http://schemas.microsoft.com/office/drawing/2010/main" xmlns="">
                     <a:solidFill>
                       <a:srgbClr val="FFFFFF"/>
                     </a:solidFill>
                   </a14:hiddenFill>
                 </a:ext>
                 <a:ext uri="{91240B29-F687-4f45-9708-019B960494DF}">
-                  <a14:hiddenLine xmlns="" xmlns:a14="http://schemas.microsoft.com/office/drawing/2010/main" w="9525">
+                  <a14:hiddenLine xmlns:a14="http://schemas.microsoft.com/office/drawing/2010/main" xmlns="" w="9525">
                     <a:solidFill>
                       <a:srgbClr val="000000"/>
                     </a:solidFill>
@@ -10897,7 +10869,7 @@
             </a:ln>
             <a:extLst>
               <a:ext uri="{909E8E84-426E-40dd-AFC4-6F175D3DCCD1}">
-                <a14:hiddenFill xmlns="" xmlns:a14="http://schemas.microsoft.com/office/drawing/2010/main">
+                <a14:hiddenFill xmlns:a14="http://schemas.microsoft.com/office/drawing/2010/main" xmlns="">
                   <a:noFill/>
                 </a14:hiddenFill>
               </a:ext>
@@ -10943,7 +10915,7 @@
             <a:effectLst/>
             <a:extLst>
               <a:ext uri="{AF507438-7753-43e0-B8FC-AC1667EBCBE1}">
-                <a14:hiddenEffects xmlns="" xmlns:a14="http://schemas.microsoft.com/office/drawing/2010/main">
+                <a14:hiddenEffects xmlns:a14="http://schemas.microsoft.com/office/drawing/2010/main" xmlns="">
                   <a:effectLst>
                     <a:outerShdw blurRad="63500" dist="38099" dir="2700000" algn="ctr" rotWithShape="0">
                       <a:schemeClr val="bg2">
@@ -11064,14 +11036,14 @@
           </a:ln>
           <a:extLst>
             <a:ext uri="{909E8E84-426E-40dd-AFC4-6F175D3DCCD1}">
-              <a14:hiddenFill xmlns="" xmlns:a14="http://schemas.microsoft.com/office/drawing/2010/main">
+              <a14:hiddenFill xmlns:a14="http://schemas.microsoft.com/office/drawing/2010/main" xmlns="">
                 <a:solidFill>
                   <a:srgbClr val="FFFFFF"/>
                 </a:solidFill>
               </a14:hiddenFill>
             </a:ext>
             <a:ext uri="{91240B29-F687-4f45-9708-019B960494DF}">
-              <a14:hiddenLine xmlns="" xmlns:a14="http://schemas.microsoft.com/office/drawing/2010/main" w="9525">
+              <a14:hiddenLine xmlns:a14="http://schemas.microsoft.com/office/drawing/2010/main" xmlns="" w="9525">
                 <a:solidFill>
                   <a:srgbClr val="000000"/>
                 </a:solidFill>
@@ -11239,14 +11211,14 @@
           </a:ln>
           <a:extLst>
             <a:ext uri="{909E8E84-426E-40dd-AFC4-6F175D3DCCD1}">
-              <a14:hiddenFill xmlns="" xmlns:a14="http://schemas.microsoft.com/office/drawing/2010/main">
+              <a14:hiddenFill xmlns:a14="http://schemas.microsoft.com/office/drawing/2010/main" xmlns="">
                 <a:solidFill>
                   <a:srgbClr val="FFFFFF"/>
                 </a:solidFill>
               </a14:hiddenFill>
             </a:ext>
             <a:ext uri="{91240B29-F687-4f45-9708-019B960494DF}">
-              <a14:hiddenLine xmlns="" xmlns:a14="http://schemas.microsoft.com/office/drawing/2010/main" w="9525">
+              <a14:hiddenLine xmlns:a14="http://schemas.microsoft.com/office/drawing/2010/main" xmlns="" w="9525">
                 <a:solidFill>
                   <a:srgbClr val="000000"/>
                 </a:solidFill>
@@ -11450,7 +11422,7 @@
               </a:ln>
               <a:extLst>
                 <a:ext uri="{909E8E84-426E-40dd-AFC4-6F175D3DCCD1}">
-                  <a14:hiddenFill xmlns="" xmlns:a14="http://schemas.microsoft.com/office/drawing/2010/main">
+                  <a14:hiddenFill xmlns:a14="http://schemas.microsoft.com/office/drawing/2010/main" xmlns="">
                     <a:noFill/>
                   </a14:hiddenFill>
                 </a:ext>
@@ -11484,7 +11456,7 @@
               </a:ln>
               <a:extLst>
                 <a:ext uri="{909E8E84-426E-40dd-AFC4-6F175D3DCCD1}">
-                  <a14:hiddenFill xmlns="" xmlns:a14="http://schemas.microsoft.com/office/drawing/2010/main">
+                  <a14:hiddenFill xmlns:a14="http://schemas.microsoft.com/office/drawing/2010/main" xmlns="">
                     <a:noFill/>
                   </a14:hiddenFill>
                 </a:ext>
@@ -11518,7 +11490,7 @@
               </a:ln>
               <a:extLst>
                 <a:ext uri="{909E8E84-426E-40dd-AFC4-6F175D3DCCD1}">
-                  <a14:hiddenFill xmlns="" xmlns:a14="http://schemas.microsoft.com/office/drawing/2010/main">
+                  <a14:hiddenFill xmlns:a14="http://schemas.microsoft.com/office/drawing/2010/main" xmlns="">
                     <a:noFill/>
                   </a14:hiddenFill>
                 </a:ext>
@@ -11553,7 +11525,7 @@
               </a:ln>
               <a:extLst>
                 <a:ext uri="{909E8E84-426E-40dd-AFC4-6F175D3DCCD1}">
-                  <a14:hiddenFill xmlns="" xmlns:a14="http://schemas.microsoft.com/office/drawing/2010/main">
+                  <a14:hiddenFill xmlns:a14="http://schemas.microsoft.com/office/drawing/2010/main" xmlns="">
                     <a:noFill/>
                   </a14:hiddenFill>
                 </a:ext>
@@ -11587,7 +11559,7 @@
               </a:ln>
               <a:extLst>
                 <a:ext uri="{909E8E84-426E-40dd-AFC4-6F175D3DCCD1}">
-                  <a14:hiddenFill xmlns="" xmlns:a14="http://schemas.microsoft.com/office/drawing/2010/main">
+                  <a14:hiddenFill xmlns:a14="http://schemas.microsoft.com/office/drawing/2010/main" xmlns="">
                     <a:noFill/>
                   </a14:hiddenFill>
                 </a:ext>
@@ -11616,14 +11588,14 @@
               </a:ln>
               <a:extLst>
                 <a:ext uri="{909E8E84-426E-40dd-AFC4-6F175D3DCCD1}">
-                  <a14:hiddenFill xmlns="" xmlns:a14="http://schemas.microsoft.com/office/drawing/2010/main">
+                  <a14:hiddenFill xmlns:a14="http://schemas.microsoft.com/office/drawing/2010/main" xmlns="">
                     <a:solidFill>
                       <a:srgbClr val="FFFFFF"/>
                     </a:solidFill>
                   </a14:hiddenFill>
                 </a:ext>
                 <a:ext uri="{91240B29-F687-4f45-9708-019B960494DF}">
-                  <a14:hiddenLine xmlns="" xmlns:a14="http://schemas.microsoft.com/office/drawing/2010/main" w="9525">
+                  <a14:hiddenLine xmlns:a14="http://schemas.microsoft.com/office/drawing/2010/main" xmlns="" w="9525">
                     <a:solidFill>
                       <a:srgbClr val="000000"/>
                     </a:solidFill>
@@ -11808,7 +11780,7 @@
               </a:ln>
               <a:extLst>
                 <a:ext uri="{909E8E84-426E-40dd-AFC4-6F175D3DCCD1}">
-                  <a14:hiddenFill xmlns="" xmlns:a14="http://schemas.microsoft.com/office/drawing/2010/main">
+                  <a14:hiddenFill xmlns:a14="http://schemas.microsoft.com/office/drawing/2010/main" xmlns="">
                     <a:noFill/>
                   </a14:hiddenFill>
                 </a:ext>
@@ -11837,14 +11809,14 @@
               </a:ln>
               <a:extLst>
                 <a:ext uri="{909E8E84-426E-40dd-AFC4-6F175D3DCCD1}">
-                  <a14:hiddenFill xmlns="" xmlns:a14="http://schemas.microsoft.com/office/drawing/2010/main">
+                  <a14:hiddenFill xmlns:a14="http://schemas.microsoft.com/office/drawing/2010/main" xmlns="">
                     <a:solidFill>
                       <a:srgbClr val="FFFFFF"/>
                     </a:solidFill>
                   </a14:hiddenFill>
                 </a:ext>
                 <a:ext uri="{91240B29-F687-4f45-9708-019B960494DF}">
-                  <a14:hiddenLine xmlns="" xmlns:a14="http://schemas.microsoft.com/office/drawing/2010/main" w="9525">
+                  <a14:hiddenLine xmlns:a14="http://schemas.microsoft.com/office/drawing/2010/main" xmlns="" w="9525">
                     <a:solidFill>
                       <a:srgbClr val="000000"/>
                     </a:solidFill>
@@ -12028,7 +12000,7 @@
               </a:ln>
               <a:extLst>
                 <a:ext uri="{909E8E84-426E-40dd-AFC4-6F175D3DCCD1}">
-                  <a14:hiddenFill xmlns="" xmlns:a14="http://schemas.microsoft.com/office/drawing/2010/main">
+                  <a14:hiddenFill xmlns:a14="http://schemas.microsoft.com/office/drawing/2010/main" xmlns="">
                     <a:noFill/>
                   </a14:hiddenFill>
                 </a:ext>
@@ -12062,7 +12034,7 @@
               </a:ln>
               <a:extLst>
                 <a:ext uri="{909E8E84-426E-40dd-AFC4-6F175D3DCCD1}">
-                  <a14:hiddenFill xmlns="" xmlns:a14="http://schemas.microsoft.com/office/drawing/2010/main">
+                  <a14:hiddenFill xmlns:a14="http://schemas.microsoft.com/office/drawing/2010/main" xmlns="">
                     <a:noFill/>
                   </a14:hiddenFill>
                 </a:ext>
@@ -12096,7 +12068,7 @@
               </a:ln>
               <a:extLst>
                 <a:ext uri="{909E8E84-426E-40dd-AFC4-6F175D3DCCD1}">
-                  <a14:hiddenFill xmlns="" xmlns:a14="http://schemas.microsoft.com/office/drawing/2010/main">
+                  <a14:hiddenFill xmlns:a14="http://schemas.microsoft.com/office/drawing/2010/main" xmlns="">
                     <a:noFill/>
                   </a14:hiddenFill>
                 </a:ext>
@@ -12130,7 +12102,7 @@
               </a:ln>
               <a:extLst>
                 <a:ext uri="{909E8E84-426E-40dd-AFC4-6F175D3DCCD1}">
-                  <a14:hiddenFill xmlns="" xmlns:a14="http://schemas.microsoft.com/office/drawing/2010/main">
+                  <a14:hiddenFill xmlns:a14="http://schemas.microsoft.com/office/drawing/2010/main" xmlns="">
                     <a:noFill/>
                   </a14:hiddenFill>
                 </a:ext>
@@ -12165,7 +12137,7 @@
               </a:ln>
               <a:extLst>
                 <a:ext uri="{909E8E84-426E-40dd-AFC4-6F175D3DCCD1}">
-                  <a14:hiddenFill xmlns="" xmlns:a14="http://schemas.microsoft.com/office/drawing/2010/main">
+                  <a14:hiddenFill xmlns:a14="http://schemas.microsoft.com/office/drawing/2010/main" xmlns="">
                     <a:noFill/>
                   </a14:hiddenFill>
                 </a:ext>
@@ -12200,7 +12172,7 @@
               </a:ln>
               <a:extLst>
                 <a:ext uri="{909E8E84-426E-40dd-AFC4-6F175D3DCCD1}">
-                  <a14:hiddenFill xmlns="" xmlns:a14="http://schemas.microsoft.com/office/drawing/2010/main">
+                  <a14:hiddenFill xmlns:a14="http://schemas.microsoft.com/office/drawing/2010/main" xmlns="">
                     <a:noFill/>
                   </a14:hiddenFill>
                 </a:ext>
@@ -12235,7 +12207,7 @@
               </a:ln>
               <a:extLst>
                 <a:ext uri="{909E8E84-426E-40dd-AFC4-6F175D3DCCD1}">
-                  <a14:hiddenFill xmlns="" xmlns:a14="http://schemas.microsoft.com/office/drawing/2010/main">
+                  <a14:hiddenFill xmlns:a14="http://schemas.microsoft.com/office/drawing/2010/main" xmlns="">
                     <a:noFill/>
                   </a14:hiddenFill>
                 </a:ext>
@@ -12270,7 +12242,7 @@
               </a:ln>
               <a:extLst>
                 <a:ext uri="{909E8E84-426E-40dd-AFC4-6F175D3DCCD1}">
-                  <a14:hiddenFill xmlns="" xmlns:a14="http://schemas.microsoft.com/office/drawing/2010/main">
+                  <a14:hiddenFill xmlns:a14="http://schemas.microsoft.com/office/drawing/2010/main" xmlns="">
                     <a:noFill/>
                   </a14:hiddenFill>
                 </a:ext>
@@ -12305,7 +12277,7 @@
               </a:ln>
               <a:extLst>
                 <a:ext uri="{909E8E84-426E-40dd-AFC4-6F175D3DCCD1}">
-                  <a14:hiddenFill xmlns="" xmlns:a14="http://schemas.microsoft.com/office/drawing/2010/main">
+                  <a14:hiddenFill xmlns:a14="http://schemas.microsoft.com/office/drawing/2010/main" xmlns="">
                     <a:noFill/>
                   </a14:hiddenFill>
                 </a:ext>
@@ -12339,7 +12311,7 @@
               </a:ln>
               <a:extLst>
                 <a:ext uri="{909E8E84-426E-40dd-AFC4-6F175D3DCCD1}">
-                  <a14:hiddenFill xmlns="" xmlns:a14="http://schemas.microsoft.com/office/drawing/2010/main">
+                  <a14:hiddenFill xmlns:a14="http://schemas.microsoft.com/office/drawing/2010/main" xmlns="">
                     <a:noFill/>
                   </a14:hiddenFill>
                 </a:ext>
@@ -12368,14 +12340,14 @@
               </a:ln>
               <a:extLst>
                 <a:ext uri="{909E8E84-426E-40dd-AFC4-6F175D3DCCD1}">
-                  <a14:hiddenFill xmlns="" xmlns:a14="http://schemas.microsoft.com/office/drawing/2010/main">
+                  <a14:hiddenFill xmlns:a14="http://schemas.microsoft.com/office/drawing/2010/main" xmlns="">
                     <a:solidFill>
                       <a:srgbClr val="FFFFFF"/>
                     </a:solidFill>
                   </a14:hiddenFill>
                 </a:ext>
                 <a:ext uri="{91240B29-F687-4f45-9708-019B960494DF}">
-                  <a14:hiddenLine xmlns="" xmlns:a14="http://schemas.microsoft.com/office/drawing/2010/main" w="9525">
+                  <a14:hiddenLine xmlns:a14="http://schemas.microsoft.com/office/drawing/2010/main" xmlns="" w="9525">
                     <a:solidFill>
                       <a:srgbClr val="000000"/>
                     </a:solidFill>
@@ -12542,7 +12514,7 @@
               </a:ln>
               <a:extLst>
                 <a:ext uri="{909E8E84-426E-40dd-AFC4-6F175D3DCCD1}">
-                  <a14:hiddenFill xmlns="" xmlns:a14="http://schemas.microsoft.com/office/drawing/2010/main">
+                  <a14:hiddenFill xmlns:a14="http://schemas.microsoft.com/office/drawing/2010/main" xmlns="">
                     <a:noFill/>
                   </a14:hiddenFill>
                 </a:ext>
@@ -12833,14 +12805,14 @@
           </a:ln>
           <a:extLst>
             <a:ext uri="{909E8E84-426E-40dd-AFC4-6F175D3DCCD1}">
-              <a14:hiddenFill xmlns="" xmlns:a14="http://schemas.microsoft.com/office/drawing/2010/main">
+              <a14:hiddenFill xmlns:a14="http://schemas.microsoft.com/office/drawing/2010/main" xmlns="">
                 <a:solidFill>
                   <a:srgbClr val="FFFFFF"/>
                 </a:solidFill>
               </a14:hiddenFill>
             </a:ext>
             <a:ext uri="{91240B29-F687-4f45-9708-019B960494DF}">
-              <a14:hiddenLine xmlns="" xmlns:a14="http://schemas.microsoft.com/office/drawing/2010/main" w="9525">
+              <a14:hiddenLine xmlns:a14="http://schemas.microsoft.com/office/drawing/2010/main" xmlns="" w="9525">
                 <a:solidFill>
                   <a:srgbClr val="000000"/>
                 </a:solidFill>
@@ -13289,14 +13261,14 @@
           </a:ln>
           <a:extLst>
             <a:ext uri="{909E8E84-426E-40dd-AFC4-6F175D3DCCD1}">
-              <a14:hiddenFill xmlns="" xmlns:a14="http://schemas.microsoft.com/office/drawing/2010/main">
+              <a14:hiddenFill xmlns:a14="http://schemas.microsoft.com/office/drawing/2010/main" xmlns="">
                 <a:solidFill>
                   <a:srgbClr val="FFFFFF"/>
                 </a:solidFill>
               </a14:hiddenFill>
             </a:ext>
             <a:ext uri="{91240B29-F687-4f45-9708-019B960494DF}">
-              <a14:hiddenLine xmlns="" xmlns:a14="http://schemas.microsoft.com/office/drawing/2010/main" w="9525">
+              <a14:hiddenLine xmlns:a14="http://schemas.microsoft.com/office/drawing/2010/main" xmlns="" w="9525">
                 <a:solidFill>
                   <a:srgbClr val="000000"/>
                 </a:solidFill>
@@ -13785,7 +13757,7 @@
         <a:effectLst/>
         <a:extLst>
           <a:ext uri="{AF507438-7753-43e0-B8FC-AC1667EBCBE1}">
-            <a14:hiddenEffects xmlns="" xmlns:a14="http://schemas.microsoft.com/office/drawing/2010/main">
+            <a14:hiddenEffects xmlns:a14="http://schemas.microsoft.com/office/drawing/2010/main" xmlns="">
               <a:effectLst>
                 <a:outerShdw blurRad="63500" dist="38099" dir="2700000" algn="ctr" rotWithShape="0">
                   <a:schemeClr val="bg2">
@@ -13861,7 +13833,7 @@
         <a:effectLst/>
         <a:extLst>
           <a:ext uri="{AF507438-7753-43e0-B8FC-AC1667EBCBE1}">
-            <a14:hiddenEffects xmlns="" xmlns:a14="http://schemas.microsoft.com/office/drawing/2010/main">
+            <a14:hiddenEffects xmlns:a14="http://schemas.microsoft.com/office/drawing/2010/main" xmlns="">
               <a:effectLst>
                 <a:outerShdw blurRad="63500" dist="38099" dir="2700000" algn="ctr" rotWithShape="0">
                   <a:schemeClr val="bg2">
